--- a/LCC/Java/08_Java二三事.pptx
+++ b/LCC/Java/08_Java二三事.pptx
@@ -852,7 +852,7 @@
             <a:fld id="{B61BEF0D-F0BB-DE4B-95CE-6DB70DBA9567}" type="datetimeFigureOut">
               <a:rPr lang="en-US" dirty="0"/>
               <a:pPr/>
-              <a:t>12/27/2020</a:t>
+              <a:t>9/15/2021</a:t>
             </a:fld>
             <a:endParaRPr lang="en-US" dirty="0"/>
           </a:p>
@@ -1100,7 +1100,7 @@
             <a:fld id="{B61BEF0D-F0BB-DE4B-95CE-6DB70DBA9567}" type="datetimeFigureOut">
               <a:rPr lang="en-US" dirty="0"/>
               <a:pPr/>
-              <a:t>12/27/2020</a:t>
+              <a:t>9/15/2021</a:t>
             </a:fld>
             <a:endParaRPr lang="en-US" dirty="0"/>
           </a:p>
@@ -1411,7 +1411,7 @@
             <a:fld id="{B61BEF0D-F0BB-DE4B-95CE-6DB70DBA9567}" type="datetimeFigureOut">
               <a:rPr lang="en-US" dirty="0"/>
               <a:pPr/>
-              <a:t>12/27/2020</a:t>
+              <a:t>9/15/2021</a:t>
             </a:fld>
             <a:endParaRPr lang="en-US" dirty="0"/>
           </a:p>
@@ -1749,7 +1749,7 @@
             <a:fld id="{B61BEF0D-F0BB-DE4B-95CE-6DB70DBA9567}" type="datetimeFigureOut">
               <a:rPr lang="en-US" dirty="0"/>
               <a:pPr/>
-              <a:t>12/27/2020</a:t>
+              <a:t>9/15/2021</a:t>
             </a:fld>
             <a:endParaRPr lang="en-US" dirty="0"/>
           </a:p>
@@ -2060,7 +2060,7 @@
             <a:fld id="{B61BEF0D-F0BB-DE4B-95CE-6DB70DBA9567}" type="datetimeFigureOut">
               <a:rPr lang="en-US" dirty="0"/>
               <a:pPr/>
-              <a:t>12/27/2020</a:t>
+              <a:t>9/15/2021</a:t>
             </a:fld>
             <a:endParaRPr lang="en-US" dirty="0"/>
           </a:p>
@@ -2450,7 +2450,7 @@
             <a:fld id="{B61BEF0D-F0BB-DE4B-95CE-6DB70DBA9567}" type="datetimeFigureOut">
               <a:rPr lang="en-US" dirty="0"/>
               <a:pPr/>
-              <a:t>12/27/2020</a:t>
+              <a:t>9/15/2021</a:t>
             </a:fld>
             <a:endParaRPr lang="en-US" dirty="0"/>
           </a:p>
@@ -2616,7 +2616,7 @@
           <a:p>
             <a:fld id="{55C6B4A9-1611-4792-9094-5F34BCA07E0B}" type="datetimeFigureOut">
               <a:rPr lang="en-US" dirty="0"/>
-              <a:t>12/27/2020</a:t>
+              <a:t>9/15/2021</a:t>
             </a:fld>
             <a:endParaRPr lang="en-US" dirty="0"/>
           </a:p>
@@ -2792,7 +2792,7 @@
             <a:fld id="{B61BEF0D-F0BB-DE4B-95CE-6DB70DBA9567}" type="datetimeFigureOut">
               <a:rPr lang="en-US" dirty="0"/>
               <a:pPr/>
-              <a:t>12/27/2020</a:t>
+              <a:t>9/15/2021</a:t>
             </a:fld>
             <a:endParaRPr lang="en-US" dirty="0"/>
           </a:p>
@@ -2965,7 +2965,7 @@
             <a:fld id="{B61BEF0D-F0BB-DE4B-95CE-6DB70DBA9567}" type="datetimeFigureOut">
               <a:rPr lang="en-US" dirty="0"/>
               <a:pPr/>
-              <a:t>12/27/2020</a:t>
+              <a:t>9/15/2021</a:t>
             </a:fld>
             <a:endParaRPr lang="en-US" dirty="0"/>
           </a:p>
@@ -3238,7 +3238,7 @@
             <a:fld id="{B61BEF0D-F0BB-DE4B-95CE-6DB70DBA9567}" type="datetimeFigureOut">
               <a:rPr lang="en-US" dirty="0"/>
               <a:pPr/>
-              <a:t>12/27/2020</a:t>
+              <a:t>9/15/2021</a:t>
             </a:fld>
             <a:endParaRPr lang="en-US" dirty="0"/>
           </a:p>
@@ -3466,7 +3466,7 @@
           <a:p>
             <a:fld id="{EB712588-04B1-427B-82EE-E8DB90309F08}" type="datetimeFigureOut">
               <a:rPr lang="en-US" dirty="0"/>
-              <a:t>12/27/2020</a:t>
+              <a:t>9/15/2021</a:t>
             </a:fld>
             <a:endParaRPr lang="en-US" dirty="0"/>
           </a:p>
@@ -3865,7 +3865,7 @@
             <a:fld id="{B61BEF0D-F0BB-DE4B-95CE-6DB70DBA9567}" type="datetimeFigureOut">
               <a:rPr lang="en-US" dirty="0"/>
               <a:pPr/>
-              <a:t>12/27/2020</a:t>
+              <a:t>9/15/2021</a:t>
             </a:fld>
             <a:endParaRPr lang="en-US" dirty="0"/>
           </a:p>
@@ -4014,7 +4014,7 @@
             <a:fld id="{B61BEF0D-F0BB-DE4B-95CE-6DB70DBA9567}" type="datetimeFigureOut">
               <a:rPr lang="en-US" dirty="0"/>
               <a:pPr/>
-              <a:t>12/27/2020</a:t>
+              <a:t>9/15/2021</a:t>
             </a:fld>
             <a:endParaRPr lang="en-US" dirty="0"/>
           </a:p>
@@ -4106,7 +4106,7 @@
             <a:fld id="{B61BEF0D-F0BB-DE4B-95CE-6DB70DBA9567}" type="datetimeFigureOut">
               <a:rPr lang="en-US" dirty="0"/>
               <a:pPr/>
-              <a:t>12/27/2020</a:t>
+              <a:t>9/15/2021</a:t>
             </a:fld>
             <a:endParaRPr lang="en-US" dirty="0"/>
           </a:p>
@@ -4357,7 +4357,7 @@
           <a:p>
             <a:fld id="{42A54C80-263E-416B-A8E0-580EDEADCBDC}" type="datetimeFigureOut">
               <a:rPr lang="en-US" dirty="0"/>
-              <a:t>12/27/2020</a:t>
+              <a:t>9/15/2021</a:t>
             </a:fld>
             <a:endParaRPr lang="en-US" dirty="0"/>
           </a:p>
@@ -4616,7 +4616,7 @@
             <a:fld id="{B61BEF0D-F0BB-DE4B-95CE-6DB70DBA9567}" type="datetimeFigureOut">
               <a:rPr lang="en-US" dirty="0"/>
               <a:pPr/>
-              <a:t>12/27/2020</a:t>
+              <a:t>9/15/2021</a:t>
             </a:fld>
             <a:endParaRPr lang="en-US" dirty="0"/>
           </a:p>
@@ -5356,7 +5356,7 @@
             <a:fld id="{B61BEF0D-F0BB-DE4B-95CE-6DB70DBA9567}" type="datetimeFigureOut">
               <a:rPr lang="en-US" dirty="0"/>
               <a:pPr/>
-              <a:t>12/27/2020</a:t>
+              <a:t>9/15/2021</a:t>
             </a:fld>
             <a:endParaRPr lang="en-US" dirty="0"/>
           </a:p>
@@ -5966,7 +5966,7 @@
             <a:fld id="{4805910D-2C61-424F-80CE-807290CF0E1E}" type="datetime4">
               <a:rPr lang="zh-TW" altLang="zh-TW"/>
               <a:pPr/>
-              <a:t>109年12月27日星期日</a:t>
+              <a:t>110年9月15日星期三</a:t>
             </a:fld>
             <a:endParaRPr lang="zh-TW" altLang="en-US" dirty="0"/>
           </a:p>
@@ -6192,8 +6192,12 @@
           <a:lstStyle/>
           <a:p>
             <a:r>
+              <a:rPr lang="zh-TW" altLang="en-US" dirty="0"/>
+              <a:t>再</a:t>
+            </a:r>
+            <a:r>
               <a:rPr lang="zh-TW" altLang="en-US" dirty="0" smtClean="0"/>
-              <a:t>先看看</a:t>
+              <a:t>看一次看</a:t>
             </a:r>
             <a:r>
               <a:rPr lang="en-US" altLang="zh-TW" dirty="0" smtClean="0"/>
@@ -7505,9 +7509,9 @@
           <p:nvPr/>
         </p:nvCxnSpPr>
         <p:spPr>
-          <a:xfrm>
-            <a:off x="2916936" y="3177032"/>
-            <a:ext cx="4718304" cy="0"/>
+          <a:xfrm flipV="1">
+            <a:off x="4572000" y="2953513"/>
+            <a:ext cx="3154680" cy="2197677"/>
           </a:xfrm>
           <a:prstGeom prst="straightConnector1">
             <a:avLst/>
@@ -7542,8 +7546,8 @@
         </p:nvCxnSpPr>
         <p:spPr>
           <a:xfrm flipV="1">
-            <a:off x="4462272" y="3448304"/>
-            <a:ext cx="3430524" cy="53848"/>
+            <a:off x="3063579" y="3230311"/>
+            <a:ext cx="4663101" cy="1149310"/>
           </a:xfrm>
           <a:prstGeom prst="straightConnector1">
             <a:avLst/>
@@ -7577,9 +7581,9 @@
           <p:nvPr/>
         </p:nvCxnSpPr>
         <p:spPr>
-          <a:xfrm>
-            <a:off x="4462272" y="3502152"/>
-            <a:ext cx="3547872" cy="758952"/>
+          <a:xfrm flipV="1">
+            <a:off x="4375404" y="4230980"/>
+            <a:ext cx="3634740" cy="540734"/>
           </a:xfrm>
           <a:prstGeom prst="straightConnector1">
             <a:avLst/>
@@ -7614,8 +7618,8 @@
         </p:nvCxnSpPr>
         <p:spPr>
           <a:xfrm flipV="1">
-            <a:off x="2633472" y="2953512"/>
-            <a:ext cx="5093208" cy="1618488"/>
+            <a:off x="4392538" y="3502152"/>
+            <a:ext cx="3617606" cy="1274947"/>
           </a:xfrm>
           <a:prstGeom prst="straightConnector1">
             <a:avLst/>

--- a/LCC/Java/08_Java二三事.pptx
+++ b/LCC/Java/08_Java二三事.pptx
@@ -4,6 +4,9 @@
   <p:sldMasterIdLst>
     <p:sldMasterId id="2147483648" r:id="rId1"/>
   </p:sldMasterIdLst>
+  <p:handoutMasterIdLst>
+    <p:handoutMasterId r:id="rId9"/>
+  </p:handoutMasterIdLst>
   <p:sldIdLst>
     <p:sldId id="256" r:id="rId2"/>
     <p:sldId id="257" r:id="rId3"/>
@@ -127,6 +130,171 @@
     </p:ext>
   </p:extLst>
 </p:presentation>
+</file>
+
+<file path=ppt/handoutMasters/handoutMaster1.xml><?xml version="1.0" encoding="utf-8"?>
+<p:handoutMaster xmlns:a="http://schemas.openxmlformats.org/drawingml/2006/main" xmlns:r="http://schemas.openxmlformats.org/officeDocument/2006/relationships" xmlns:p="http://schemas.openxmlformats.org/presentationml/2006/main">
+  <p:cSld>
+    <p:bg>
+      <p:bgRef idx="1001">
+        <a:schemeClr val="bg1"/>
+      </p:bgRef>
+    </p:bg>
+    <p:spTree>
+      <p:nvGrpSpPr>
+        <p:cNvPr id="1" name=""/>
+        <p:cNvGrpSpPr/>
+        <p:nvPr/>
+      </p:nvGrpSpPr>
+      <p:grpSpPr>
+        <a:xfrm>
+          <a:off x="0" y="0"/>
+          <a:ext cx="0" cy="0"/>
+          <a:chOff x="0" y="0"/>
+          <a:chExt cx="0" cy="0"/>
+        </a:xfrm>
+      </p:grpSpPr>
+      <p:sp>
+        <p:nvSpPr>
+          <p:cNvPr id="2" name="頁首版面配置區 1"/>
+          <p:cNvSpPr>
+            <a:spLocks noGrp="1"/>
+          </p:cNvSpPr>
+          <p:nvPr>
+            <p:ph type="hdr" sz="quarter"/>
+          </p:nvPr>
+        </p:nvSpPr>
+        <p:spPr>
+          <a:xfrm>
+            <a:off x="0" y="0"/>
+            <a:ext cx="2971800" cy="458788"/>
+          </a:xfrm>
+          <a:prstGeom prst="rect">
+            <a:avLst/>
+          </a:prstGeom>
+        </p:spPr>
+        <p:txBody>
+          <a:bodyPr vert="horz" lIns="91440" tIns="45720" rIns="91440" bIns="45720" rtlCol="0"/>
+          <a:lstStyle>
+            <a:lvl1pPr algn="l">
+              <a:defRPr sz="1200"/>
+            </a:lvl1pPr>
+          </a:lstStyle>
+          <a:p>
+            <a:endParaRPr lang="zh-TW" altLang="en-US"/>
+          </a:p>
+        </p:txBody>
+      </p:sp>
+      <p:sp>
+        <p:nvSpPr>
+          <p:cNvPr id="3" name="日期版面配置區 2"/>
+          <p:cNvSpPr>
+            <a:spLocks noGrp="1"/>
+          </p:cNvSpPr>
+          <p:nvPr>
+            <p:ph type="dt" sz="quarter" idx="1"/>
+          </p:nvPr>
+        </p:nvSpPr>
+        <p:spPr>
+          <a:xfrm>
+            <a:off x="3884613" y="0"/>
+            <a:ext cx="2971800" cy="458788"/>
+          </a:xfrm>
+          <a:prstGeom prst="rect">
+            <a:avLst/>
+          </a:prstGeom>
+        </p:spPr>
+        <p:txBody>
+          <a:bodyPr vert="horz" lIns="91440" tIns="45720" rIns="91440" bIns="45720" rtlCol="0"/>
+          <a:lstStyle>
+            <a:lvl1pPr algn="r">
+              <a:defRPr sz="1200"/>
+            </a:lvl1pPr>
+          </a:lstStyle>
+          <a:p>
+            <a:fld id="{B8136BB6-C1AD-4D3C-8C0C-48DA337ABAF0}" type="datetimeFigureOut">
+              <a:rPr lang="zh-TW" altLang="en-US" smtClean="0"/>
+              <a:t>2021/9/24</a:t>
+            </a:fld>
+            <a:endParaRPr lang="zh-TW" altLang="en-US"/>
+          </a:p>
+        </p:txBody>
+      </p:sp>
+      <p:sp>
+        <p:nvSpPr>
+          <p:cNvPr id="4" name="頁尾版面配置區 3"/>
+          <p:cNvSpPr>
+            <a:spLocks noGrp="1"/>
+          </p:cNvSpPr>
+          <p:nvPr>
+            <p:ph type="ftr" sz="quarter" idx="2"/>
+          </p:nvPr>
+        </p:nvSpPr>
+        <p:spPr>
+          <a:xfrm>
+            <a:off x="0" y="8685213"/>
+            <a:ext cx="2971800" cy="458787"/>
+          </a:xfrm>
+          <a:prstGeom prst="rect">
+            <a:avLst/>
+          </a:prstGeom>
+        </p:spPr>
+        <p:txBody>
+          <a:bodyPr vert="horz" lIns="91440" tIns="45720" rIns="91440" bIns="45720" rtlCol="0" anchor="b"/>
+          <a:lstStyle>
+            <a:lvl1pPr algn="l">
+              <a:defRPr sz="1200"/>
+            </a:lvl1pPr>
+          </a:lstStyle>
+          <a:p>
+            <a:endParaRPr lang="zh-TW" altLang="en-US"/>
+          </a:p>
+        </p:txBody>
+      </p:sp>
+      <p:sp>
+        <p:nvSpPr>
+          <p:cNvPr id="5" name="投影片編號版面配置區 4"/>
+          <p:cNvSpPr>
+            <a:spLocks noGrp="1"/>
+          </p:cNvSpPr>
+          <p:nvPr>
+            <p:ph type="sldNum" sz="quarter" idx="3"/>
+          </p:nvPr>
+        </p:nvSpPr>
+        <p:spPr>
+          <a:xfrm>
+            <a:off x="3884613" y="8685213"/>
+            <a:ext cx="2971800" cy="458787"/>
+          </a:xfrm>
+          <a:prstGeom prst="rect">
+            <a:avLst/>
+          </a:prstGeom>
+        </p:spPr>
+        <p:txBody>
+          <a:bodyPr vert="horz" lIns="91440" tIns="45720" rIns="91440" bIns="45720" rtlCol="0" anchor="b"/>
+          <a:lstStyle>
+            <a:lvl1pPr algn="r">
+              <a:defRPr sz="1200"/>
+            </a:lvl1pPr>
+          </a:lstStyle>
+          <a:p>
+            <a:fld id="{968584B6-2231-48F5-8E98-1A702AAAED3F}" type="slidenum">
+              <a:rPr lang="zh-TW" altLang="en-US" smtClean="0"/>
+              <a:t>‹#›</a:t>
+            </a:fld>
+            <a:endParaRPr lang="zh-TW" altLang="en-US"/>
+          </a:p>
+        </p:txBody>
+      </p:sp>
+    </p:spTree>
+    <p:extLst>
+      <p:ext uri="{BB962C8B-B14F-4D97-AF65-F5344CB8AC3E}">
+        <p14:creationId xmlns:p14="http://schemas.microsoft.com/office/powerpoint/2010/main" val="3470971613"/>
+      </p:ext>
+    </p:extLst>
+  </p:cSld>
+  <p:clrMap bg1="lt1" tx1="dk1" bg2="lt2" tx2="dk2" accent1="accent1" accent2="accent2" accent3="accent3" accent4="accent4" accent5="accent5" accent6="accent6" hlink="hlink" folHlink="folHlink"/>
+</p:handoutMaster>
 </file>
 
 <file path=ppt/slideLayouts/slideLayout1.xml><?xml version="1.0" encoding="utf-8"?>
@@ -852,7 +1020,7 @@
             <a:fld id="{B61BEF0D-F0BB-DE4B-95CE-6DB70DBA9567}" type="datetimeFigureOut">
               <a:rPr lang="en-US" dirty="0"/>
               <a:pPr/>
-              <a:t>9/15/2021</a:t>
+              <a:t>9/24/2021</a:t>
             </a:fld>
             <a:endParaRPr lang="en-US" dirty="0"/>
           </a:p>
@@ -1100,7 +1268,7 @@
             <a:fld id="{B61BEF0D-F0BB-DE4B-95CE-6DB70DBA9567}" type="datetimeFigureOut">
               <a:rPr lang="en-US" dirty="0"/>
               <a:pPr/>
-              <a:t>9/15/2021</a:t>
+              <a:t>9/24/2021</a:t>
             </a:fld>
             <a:endParaRPr lang="en-US" dirty="0"/>
           </a:p>
@@ -1411,7 +1579,7 @@
             <a:fld id="{B61BEF0D-F0BB-DE4B-95CE-6DB70DBA9567}" type="datetimeFigureOut">
               <a:rPr lang="en-US" dirty="0"/>
               <a:pPr/>
-              <a:t>9/15/2021</a:t>
+              <a:t>9/24/2021</a:t>
             </a:fld>
             <a:endParaRPr lang="en-US" dirty="0"/>
           </a:p>
@@ -1749,7 +1917,7 @@
             <a:fld id="{B61BEF0D-F0BB-DE4B-95CE-6DB70DBA9567}" type="datetimeFigureOut">
               <a:rPr lang="en-US" dirty="0"/>
               <a:pPr/>
-              <a:t>9/15/2021</a:t>
+              <a:t>9/24/2021</a:t>
             </a:fld>
             <a:endParaRPr lang="en-US" dirty="0"/>
           </a:p>
@@ -2060,7 +2228,7 @@
             <a:fld id="{B61BEF0D-F0BB-DE4B-95CE-6DB70DBA9567}" type="datetimeFigureOut">
               <a:rPr lang="en-US" dirty="0"/>
               <a:pPr/>
-              <a:t>9/15/2021</a:t>
+              <a:t>9/24/2021</a:t>
             </a:fld>
             <a:endParaRPr lang="en-US" dirty="0"/>
           </a:p>
@@ -2450,7 +2618,7 @@
             <a:fld id="{B61BEF0D-F0BB-DE4B-95CE-6DB70DBA9567}" type="datetimeFigureOut">
               <a:rPr lang="en-US" dirty="0"/>
               <a:pPr/>
-              <a:t>9/15/2021</a:t>
+              <a:t>9/24/2021</a:t>
             </a:fld>
             <a:endParaRPr lang="en-US" dirty="0"/>
           </a:p>
@@ -2616,7 +2784,7 @@
           <a:p>
             <a:fld id="{55C6B4A9-1611-4792-9094-5F34BCA07E0B}" type="datetimeFigureOut">
               <a:rPr lang="en-US" dirty="0"/>
-              <a:t>9/15/2021</a:t>
+              <a:t>9/24/2021</a:t>
             </a:fld>
             <a:endParaRPr lang="en-US" dirty="0"/>
           </a:p>
@@ -2792,7 +2960,7 @@
             <a:fld id="{B61BEF0D-F0BB-DE4B-95CE-6DB70DBA9567}" type="datetimeFigureOut">
               <a:rPr lang="en-US" dirty="0"/>
               <a:pPr/>
-              <a:t>9/15/2021</a:t>
+              <a:t>9/24/2021</a:t>
             </a:fld>
             <a:endParaRPr lang="en-US" dirty="0"/>
           </a:p>
@@ -2965,7 +3133,7 @@
             <a:fld id="{B61BEF0D-F0BB-DE4B-95CE-6DB70DBA9567}" type="datetimeFigureOut">
               <a:rPr lang="en-US" dirty="0"/>
               <a:pPr/>
-              <a:t>9/15/2021</a:t>
+              <a:t>9/24/2021</a:t>
             </a:fld>
             <a:endParaRPr lang="en-US" dirty="0"/>
           </a:p>
@@ -3011,35 +3179,6 @@
               <a:t>‹#›</a:t>
             </a:fld>
             <a:endParaRPr lang="en-US" dirty="0"/>
-          </a:p>
-        </p:txBody>
-      </p:sp>
-      <p:sp>
-        <p:nvSpPr>
-          <p:cNvPr id="7" name="矩形 6"/>
-          <p:cNvSpPr/>
-          <p:nvPr userDrawn="1"/>
-        </p:nvSpPr>
-        <p:spPr>
-          <a:xfrm>
-            <a:off x="604287" y="6488668"/>
-            <a:ext cx="6127255" cy="369332"/>
-          </a:xfrm>
-          <a:prstGeom prst="rect">
-            <a:avLst/>
-          </a:prstGeom>
-        </p:spPr>
-        <p:txBody>
-          <a:bodyPr wrap="none">
-            <a:spAutoFit/>
-          </a:bodyPr>
-          <a:lstStyle/>
-          <a:p>
-            <a:r>
-              <a:rPr lang="zh-TW" altLang="en-US" dirty="0" smtClean="0"/>
-              <a:t>https://github.com/liulawsi/Java-Class-Reference-Codes</a:t>
-            </a:r>
-            <a:endParaRPr lang="zh-TW" altLang="en-US" dirty="0"/>
           </a:p>
         </p:txBody>
       </p:sp>
@@ -3238,7 +3377,7 @@
             <a:fld id="{B61BEF0D-F0BB-DE4B-95CE-6DB70DBA9567}" type="datetimeFigureOut">
               <a:rPr lang="en-US" dirty="0"/>
               <a:pPr/>
-              <a:t>9/15/2021</a:t>
+              <a:t>9/24/2021</a:t>
             </a:fld>
             <a:endParaRPr lang="en-US" dirty="0"/>
           </a:p>
@@ -3466,7 +3605,7 @@
           <a:p>
             <a:fld id="{EB712588-04B1-427B-82EE-E8DB90309F08}" type="datetimeFigureOut">
               <a:rPr lang="en-US" dirty="0"/>
-              <a:t>9/15/2021</a:t>
+              <a:t>9/24/2021</a:t>
             </a:fld>
             <a:endParaRPr lang="en-US" dirty="0"/>
           </a:p>
@@ -3511,35 +3650,6 @@
               <a:t>‹#›</a:t>
             </a:fld>
             <a:endParaRPr lang="en-US" dirty="0"/>
-          </a:p>
-        </p:txBody>
-      </p:sp>
-      <p:sp>
-        <p:nvSpPr>
-          <p:cNvPr id="8" name="矩形 7"/>
-          <p:cNvSpPr/>
-          <p:nvPr userDrawn="1"/>
-        </p:nvSpPr>
-        <p:spPr>
-          <a:xfrm>
-            <a:off x="604287" y="6488668"/>
-            <a:ext cx="6127255" cy="369332"/>
-          </a:xfrm>
-          <a:prstGeom prst="rect">
-            <a:avLst/>
-          </a:prstGeom>
-        </p:spPr>
-        <p:txBody>
-          <a:bodyPr wrap="none">
-            <a:spAutoFit/>
-          </a:bodyPr>
-          <a:lstStyle/>
-          <a:p>
-            <a:r>
-              <a:rPr lang="zh-TW" altLang="en-US" dirty="0" smtClean="0"/>
-              <a:t>https://github.com/liulawsi/Java-Class-Reference-Codes</a:t>
-            </a:r>
-            <a:endParaRPr lang="zh-TW" altLang="en-US" dirty="0"/>
           </a:p>
         </p:txBody>
       </p:sp>
@@ -3865,7 +3975,7 @@
             <a:fld id="{B61BEF0D-F0BB-DE4B-95CE-6DB70DBA9567}" type="datetimeFigureOut">
               <a:rPr lang="en-US" dirty="0"/>
               <a:pPr/>
-              <a:t>9/15/2021</a:t>
+              <a:t>9/24/2021</a:t>
             </a:fld>
             <a:endParaRPr lang="en-US" dirty="0"/>
           </a:p>
@@ -3911,35 +4021,6 @@
               <a:t>‹#›</a:t>
             </a:fld>
             <a:endParaRPr lang="en-US" dirty="0"/>
-          </a:p>
-        </p:txBody>
-      </p:sp>
-      <p:sp>
-        <p:nvSpPr>
-          <p:cNvPr id="10" name="矩形 9"/>
-          <p:cNvSpPr/>
-          <p:nvPr userDrawn="1"/>
-        </p:nvSpPr>
-        <p:spPr>
-          <a:xfrm>
-            <a:off x="604287" y="6488668"/>
-            <a:ext cx="6127255" cy="369332"/>
-          </a:xfrm>
-          <a:prstGeom prst="rect">
-            <a:avLst/>
-          </a:prstGeom>
-        </p:spPr>
-        <p:txBody>
-          <a:bodyPr wrap="none">
-            <a:spAutoFit/>
-          </a:bodyPr>
-          <a:lstStyle/>
-          <a:p>
-            <a:r>
-              <a:rPr lang="zh-TW" altLang="en-US" dirty="0" smtClean="0"/>
-              <a:t>https://github.com/liulawsi/Java-Class-Reference-Codes</a:t>
-            </a:r>
-            <a:endParaRPr lang="zh-TW" altLang="en-US" dirty="0"/>
           </a:p>
         </p:txBody>
       </p:sp>
@@ -4014,7 +4095,7 @@
             <a:fld id="{B61BEF0D-F0BB-DE4B-95CE-6DB70DBA9567}" type="datetimeFigureOut">
               <a:rPr lang="en-US" dirty="0"/>
               <a:pPr/>
-              <a:t>9/15/2021</a:t>
+              <a:t>9/24/2021</a:t>
             </a:fld>
             <a:endParaRPr lang="en-US" dirty="0"/>
           </a:p>
@@ -4106,7 +4187,7 @@
             <a:fld id="{B61BEF0D-F0BB-DE4B-95CE-6DB70DBA9567}" type="datetimeFigureOut">
               <a:rPr lang="en-US" dirty="0"/>
               <a:pPr/>
-              <a:t>9/15/2021</a:t>
+              <a:t>9/24/2021</a:t>
             </a:fld>
             <a:endParaRPr lang="en-US" dirty="0"/>
           </a:p>
@@ -4357,7 +4438,7 @@
           <a:p>
             <a:fld id="{42A54C80-263E-416B-A8E0-580EDEADCBDC}" type="datetimeFigureOut">
               <a:rPr lang="en-US" dirty="0"/>
-              <a:t>9/15/2021</a:t>
+              <a:t>9/24/2021</a:t>
             </a:fld>
             <a:endParaRPr lang="en-US" dirty="0"/>
           </a:p>
@@ -4616,7 +4697,7 @@
             <a:fld id="{B61BEF0D-F0BB-DE4B-95CE-6DB70DBA9567}" type="datetimeFigureOut">
               <a:rPr lang="en-US" dirty="0"/>
               <a:pPr/>
-              <a:t>9/15/2021</a:t>
+              <a:t>9/24/2021</a:t>
             </a:fld>
             <a:endParaRPr lang="en-US" dirty="0"/>
           </a:p>
@@ -5356,7 +5437,7 @@
             <a:fld id="{B61BEF0D-F0BB-DE4B-95CE-6DB70DBA9567}" type="datetimeFigureOut">
               <a:rPr lang="en-US" dirty="0"/>
               <a:pPr/>
-              <a:t>9/15/2021</a:t>
+              <a:t>9/24/2021</a:t>
             </a:fld>
             <a:endParaRPr lang="en-US" dirty="0"/>
           </a:p>
@@ -5480,6 +5561,129 @@
           </a:extLst>
         </p:spPr>
       </p:pic>
+      <p:sp>
+        <p:nvSpPr>
+          <p:cNvPr id="19" name="矩形 18"/>
+          <p:cNvSpPr/>
+          <p:nvPr userDrawn="1"/>
+        </p:nvSpPr>
+        <p:spPr>
+          <a:xfrm>
+            <a:off x="444564" y="6509203"/>
+            <a:ext cx="2728632" cy="369332"/>
+          </a:xfrm>
+          <a:prstGeom prst="rect">
+            <a:avLst/>
+          </a:prstGeom>
+        </p:spPr>
+        <p:txBody>
+          <a:bodyPr wrap="none">
+            <a:spAutoFit/>
+          </a:bodyPr>
+          <a:lstStyle>
+            <a:defPPr>
+              <a:defRPr lang="en-US"/>
+            </a:defPPr>
+            <a:lvl1pPr marL="0" algn="l" defTabSz="457200" rtl="0" eaLnBrk="1" latinLnBrk="0" hangingPunct="1">
+              <a:defRPr sz="1800" kern="1200">
+                <a:solidFill>
+                  <a:schemeClr val="tx1"/>
+                </a:solidFill>
+                <a:latin typeface="+mn-lt"/>
+                <a:ea typeface="+mn-ea"/>
+                <a:cs typeface="+mn-cs"/>
+              </a:defRPr>
+            </a:lvl1pPr>
+            <a:lvl2pPr marL="457200" algn="l" defTabSz="457200" rtl="0" eaLnBrk="1" latinLnBrk="0" hangingPunct="1">
+              <a:defRPr sz="1800" kern="1200">
+                <a:solidFill>
+                  <a:schemeClr val="tx1"/>
+                </a:solidFill>
+                <a:latin typeface="+mn-lt"/>
+                <a:ea typeface="+mn-ea"/>
+                <a:cs typeface="+mn-cs"/>
+              </a:defRPr>
+            </a:lvl2pPr>
+            <a:lvl3pPr marL="914400" algn="l" defTabSz="457200" rtl="0" eaLnBrk="1" latinLnBrk="0" hangingPunct="1">
+              <a:defRPr sz="1800" kern="1200">
+                <a:solidFill>
+                  <a:schemeClr val="tx1"/>
+                </a:solidFill>
+                <a:latin typeface="+mn-lt"/>
+                <a:ea typeface="+mn-ea"/>
+                <a:cs typeface="+mn-cs"/>
+              </a:defRPr>
+            </a:lvl3pPr>
+            <a:lvl4pPr marL="1371600" algn="l" defTabSz="457200" rtl="0" eaLnBrk="1" latinLnBrk="0" hangingPunct="1">
+              <a:defRPr sz="1800" kern="1200">
+                <a:solidFill>
+                  <a:schemeClr val="tx1"/>
+                </a:solidFill>
+                <a:latin typeface="+mn-lt"/>
+                <a:ea typeface="+mn-ea"/>
+                <a:cs typeface="+mn-cs"/>
+              </a:defRPr>
+            </a:lvl4pPr>
+            <a:lvl5pPr marL="1828800" algn="l" defTabSz="457200" rtl="0" eaLnBrk="1" latinLnBrk="0" hangingPunct="1">
+              <a:defRPr sz="1800" kern="1200">
+                <a:solidFill>
+                  <a:schemeClr val="tx1"/>
+                </a:solidFill>
+                <a:latin typeface="+mn-lt"/>
+                <a:ea typeface="+mn-ea"/>
+                <a:cs typeface="+mn-cs"/>
+              </a:defRPr>
+            </a:lvl5pPr>
+            <a:lvl6pPr marL="2286000" algn="l" defTabSz="457200" rtl="0" eaLnBrk="1" latinLnBrk="0" hangingPunct="1">
+              <a:defRPr sz="1800" kern="1200">
+                <a:solidFill>
+                  <a:schemeClr val="tx1"/>
+                </a:solidFill>
+                <a:latin typeface="+mn-lt"/>
+                <a:ea typeface="+mn-ea"/>
+                <a:cs typeface="+mn-cs"/>
+              </a:defRPr>
+            </a:lvl6pPr>
+            <a:lvl7pPr marL="2743200" algn="l" defTabSz="457200" rtl="0" eaLnBrk="1" latinLnBrk="0" hangingPunct="1">
+              <a:defRPr sz="1800" kern="1200">
+                <a:solidFill>
+                  <a:schemeClr val="tx1"/>
+                </a:solidFill>
+                <a:latin typeface="+mn-lt"/>
+                <a:ea typeface="+mn-ea"/>
+                <a:cs typeface="+mn-cs"/>
+              </a:defRPr>
+            </a:lvl7pPr>
+            <a:lvl8pPr marL="3200400" algn="l" defTabSz="457200" rtl="0" eaLnBrk="1" latinLnBrk="0" hangingPunct="1">
+              <a:defRPr sz="1800" kern="1200">
+                <a:solidFill>
+                  <a:schemeClr val="tx1"/>
+                </a:solidFill>
+                <a:latin typeface="+mn-lt"/>
+                <a:ea typeface="+mn-ea"/>
+                <a:cs typeface="+mn-cs"/>
+              </a:defRPr>
+            </a:lvl8pPr>
+            <a:lvl9pPr marL="3657600" algn="l" defTabSz="457200" rtl="0" eaLnBrk="1" latinLnBrk="0" hangingPunct="1">
+              <a:defRPr sz="1800" kern="1200">
+                <a:solidFill>
+                  <a:schemeClr val="tx1"/>
+                </a:solidFill>
+                <a:latin typeface="+mn-lt"/>
+                <a:ea typeface="+mn-ea"/>
+                <a:cs typeface="+mn-cs"/>
+              </a:defRPr>
+            </a:lvl9pPr>
+          </a:lstStyle>
+          <a:p>
+            <a:r>
+              <a:rPr lang="zh-TW" altLang="en-US" dirty="0" smtClean="0"/>
+              <a:t>https://reurl.cc/522ARv</a:t>
+            </a:r>
+            <a:endParaRPr lang="zh-TW" altLang="en-US" dirty="0"/>
+          </a:p>
+        </p:txBody>
+      </p:sp>
     </p:spTree>
   </p:cSld>
   <p:clrMap bg1="lt1" tx1="dk1" bg2="lt2" tx2="dk2" accent1="accent1" accent2="accent2" accent3="accent3" accent4="accent4" accent5="accent5" accent6="accent6" hlink="hlink" folHlink="folHlink"/>
@@ -5966,7 +6170,7 @@
             <a:fld id="{4805910D-2C61-424F-80CE-807290CF0E1E}" type="datetime4">
               <a:rPr lang="zh-TW" altLang="zh-TW"/>
               <a:pPr/>
-              <a:t>110年9月15日星期三</a:t>
+              <a:t>110年9月24日星期五</a:t>
             </a:fld>
             <a:endParaRPr lang="zh-TW" altLang="en-US" dirty="0"/>
           </a:p>
@@ -8426,4 +8630,265 @@
     </a:ext>
   </a:extLst>
 </a:theme>
+</file>
+
+<file path=ppt/theme/theme2.xml><?xml version="1.0" encoding="utf-8"?>
+<a:theme xmlns:a="http://schemas.openxmlformats.org/drawingml/2006/main" name="Office 佈景主題">
+  <a:themeElements>
+    <a:clrScheme name="Office">
+      <a:dk1>
+        <a:sysClr val="windowText" lastClr="000000"/>
+      </a:dk1>
+      <a:lt1>
+        <a:sysClr val="window" lastClr="FFFFFF"/>
+      </a:lt1>
+      <a:dk2>
+        <a:srgbClr val="44546A"/>
+      </a:dk2>
+      <a:lt2>
+        <a:srgbClr val="E7E6E6"/>
+      </a:lt2>
+      <a:accent1>
+        <a:srgbClr val="5B9BD5"/>
+      </a:accent1>
+      <a:accent2>
+        <a:srgbClr val="ED7D31"/>
+      </a:accent2>
+      <a:accent3>
+        <a:srgbClr val="A5A5A5"/>
+      </a:accent3>
+      <a:accent4>
+        <a:srgbClr val="FFC000"/>
+      </a:accent4>
+      <a:accent5>
+        <a:srgbClr val="4472C4"/>
+      </a:accent5>
+      <a:accent6>
+        <a:srgbClr val="70AD47"/>
+      </a:accent6>
+      <a:hlink>
+        <a:srgbClr val="0563C1"/>
+      </a:hlink>
+      <a:folHlink>
+        <a:srgbClr val="954F72"/>
+      </a:folHlink>
+    </a:clrScheme>
+    <a:fontScheme name="Office">
+      <a:majorFont>
+        <a:latin typeface="Calibri Light" panose="020F0302020204030204"/>
+        <a:ea typeface=""/>
+        <a:cs typeface=""/>
+        <a:font script="Jpan" typeface="游ゴシック Light"/>
+        <a:font script="Hang" typeface="맑은 고딕"/>
+        <a:font script="Hans" typeface="等线 Light"/>
+        <a:font script="Hant" typeface="新細明體"/>
+        <a:font script="Arab" typeface="Times New Roman"/>
+        <a:font script="Hebr" typeface="Times New Roman"/>
+        <a:font script="Thai" typeface="Angsana New"/>
+        <a:font script="Ethi" typeface="Nyala"/>
+        <a:font script="Beng" typeface="Vrinda"/>
+        <a:font script="Gujr" typeface="Shruti"/>
+        <a:font script="Khmr" typeface="MoolBoran"/>
+        <a:font script="Knda" typeface="Tunga"/>
+        <a:font script="Guru" typeface="Raavi"/>
+        <a:font script="Cans" typeface="Euphemia"/>
+        <a:font script="Cher" typeface="Plantagenet Cherokee"/>
+        <a:font script="Yiii" typeface="Microsoft Yi Baiti"/>
+        <a:font script="Tibt" typeface="Microsoft Himalaya"/>
+        <a:font script="Thaa" typeface="MV Boli"/>
+        <a:font script="Deva" typeface="Mangal"/>
+        <a:font script="Telu" typeface="Gautami"/>
+        <a:font script="Taml" typeface="Latha"/>
+        <a:font script="Syrc" typeface="Estrangelo Edessa"/>
+        <a:font script="Orya" typeface="Kalinga"/>
+        <a:font script="Mlym" typeface="Kartika"/>
+        <a:font script="Laoo" typeface="DokChampa"/>
+        <a:font script="Sinh" typeface="Iskoola Pota"/>
+        <a:font script="Mong" typeface="Mongolian Baiti"/>
+        <a:font script="Viet" typeface="Times New Roman"/>
+        <a:font script="Uigh" typeface="Microsoft Uighur"/>
+        <a:font script="Geor" typeface="Sylfaen"/>
+      </a:majorFont>
+      <a:minorFont>
+        <a:latin typeface="Calibri" panose="020F0502020204030204"/>
+        <a:ea typeface=""/>
+        <a:cs typeface=""/>
+        <a:font script="Jpan" typeface="游ゴシック"/>
+        <a:font script="Hang" typeface="맑은 고딕"/>
+        <a:font script="Hans" typeface="等线"/>
+        <a:font script="Hant" typeface="新細明體"/>
+        <a:font script="Arab" typeface="Arial"/>
+        <a:font script="Hebr" typeface="Arial"/>
+        <a:font script="Thai" typeface="Cordia New"/>
+        <a:font script="Ethi" typeface="Nyala"/>
+        <a:font script="Beng" typeface="Vrinda"/>
+        <a:font script="Gujr" typeface="Shruti"/>
+        <a:font script="Khmr" typeface="DaunPenh"/>
+        <a:font script="Knda" typeface="Tunga"/>
+        <a:font script="Guru" typeface="Raavi"/>
+        <a:font script="Cans" typeface="Euphemia"/>
+        <a:font script="Cher" typeface="Plantagenet Cherokee"/>
+        <a:font script="Yiii" typeface="Microsoft Yi Baiti"/>
+        <a:font script="Tibt" typeface="Microsoft Himalaya"/>
+        <a:font script="Thaa" typeface="MV Boli"/>
+        <a:font script="Deva" typeface="Mangal"/>
+        <a:font script="Telu" typeface="Gautami"/>
+        <a:font script="Taml" typeface="Latha"/>
+        <a:font script="Syrc" typeface="Estrangelo Edessa"/>
+        <a:font script="Orya" typeface="Kalinga"/>
+        <a:font script="Mlym" typeface="Kartika"/>
+        <a:font script="Laoo" typeface="DokChampa"/>
+        <a:font script="Sinh" typeface="Iskoola Pota"/>
+        <a:font script="Mong" typeface="Mongolian Baiti"/>
+        <a:font script="Viet" typeface="Arial"/>
+        <a:font script="Uigh" typeface="Microsoft Uighur"/>
+        <a:font script="Geor" typeface="Sylfaen"/>
+      </a:minorFont>
+    </a:fontScheme>
+    <a:fmtScheme name="Office">
+      <a:fillStyleLst>
+        <a:solidFill>
+          <a:schemeClr val="phClr"/>
+        </a:solidFill>
+        <a:gradFill rotWithShape="1">
+          <a:gsLst>
+            <a:gs pos="0">
+              <a:schemeClr val="phClr">
+                <a:lumMod val="110000"/>
+                <a:satMod val="105000"/>
+                <a:tint val="67000"/>
+              </a:schemeClr>
+            </a:gs>
+            <a:gs pos="50000">
+              <a:schemeClr val="phClr">
+                <a:lumMod val="105000"/>
+                <a:satMod val="103000"/>
+                <a:tint val="73000"/>
+              </a:schemeClr>
+            </a:gs>
+            <a:gs pos="100000">
+              <a:schemeClr val="phClr">
+                <a:lumMod val="105000"/>
+                <a:satMod val="109000"/>
+                <a:tint val="81000"/>
+              </a:schemeClr>
+            </a:gs>
+          </a:gsLst>
+          <a:lin ang="5400000" scaled="0"/>
+        </a:gradFill>
+        <a:gradFill rotWithShape="1">
+          <a:gsLst>
+            <a:gs pos="0">
+              <a:schemeClr val="phClr">
+                <a:satMod val="103000"/>
+                <a:lumMod val="102000"/>
+                <a:tint val="94000"/>
+              </a:schemeClr>
+            </a:gs>
+            <a:gs pos="50000">
+              <a:schemeClr val="phClr">
+                <a:satMod val="110000"/>
+                <a:lumMod val="100000"/>
+                <a:shade val="100000"/>
+              </a:schemeClr>
+            </a:gs>
+            <a:gs pos="100000">
+              <a:schemeClr val="phClr">
+                <a:lumMod val="99000"/>
+                <a:satMod val="120000"/>
+                <a:shade val="78000"/>
+              </a:schemeClr>
+            </a:gs>
+          </a:gsLst>
+          <a:lin ang="5400000" scaled="0"/>
+        </a:gradFill>
+      </a:fillStyleLst>
+      <a:lnStyleLst>
+        <a:ln w="6350" cap="flat" cmpd="sng" algn="ctr">
+          <a:solidFill>
+            <a:schemeClr val="phClr"/>
+          </a:solidFill>
+          <a:prstDash val="solid"/>
+          <a:miter lim="800000"/>
+        </a:ln>
+        <a:ln w="12700" cap="flat" cmpd="sng" algn="ctr">
+          <a:solidFill>
+            <a:schemeClr val="phClr"/>
+          </a:solidFill>
+          <a:prstDash val="solid"/>
+          <a:miter lim="800000"/>
+        </a:ln>
+        <a:ln w="19050" cap="flat" cmpd="sng" algn="ctr">
+          <a:solidFill>
+            <a:schemeClr val="phClr"/>
+          </a:solidFill>
+          <a:prstDash val="solid"/>
+          <a:miter lim="800000"/>
+        </a:ln>
+      </a:lnStyleLst>
+      <a:effectStyleLst>
+        <a:effectStyle>
+          <a:effectLst/>
+        </a:effectStyle>
+        <a:effectStyle>
+          <a:effectLst/>
+        </a:effectStyle>
+        <a:effectStyle>
+          <a:effectLst>
+            <a:outerShdw blurRad="57150" dist="19050" dir="5400000" algn="ctr" rotWithShape="0">
+              <a:srgbClr val="000000">
+                <a:alpha val="63000"/>
+              </a:srgbClr>
+            </a:outerShdw>
+          </a:effectLst>
+        </a:effectStyle>
+      </a:effectStyleLst>
+      <a:bgFillStyleLst>
+        <a:solidFill>
+          <a:schemeClr val="phClr"/>
+        </a:solidFill>
+        <a:solidFill>
+          <a:schemeClr val="phClr">
+            <a:tint val="95000"/>
+            <a:satMod val="170000"/>
+          </a:schemeClr>
+        </a:solidFill>
+        <a:gradFill rotWithShape="1">
+          <a:gsLst>
+            <a:gs pos="0">
+              <a:schemeClr val="phClr">
+                <a:tint val="93000"/>
+                <a:satMod val="150000"/>
+                <a:shade val="98000"/>
+                <a:lumMod val="102000"/>
+              </a:schemeClr>
+            </a:gs>
+            <a:gs pos="50000">
+              <a:schemeClr val="phClr">
+                <a:tint val="98000"/>
+                <a:satMod val="130000"/>
+                <a:shade val="90000"/>
+                <a:lumMod val="103000"/>
+              </a:schemeClr>
+            </a:gs>
+            <a:gs pos="100000">
+              <a:schemeClr val="phClr">
+                <a:shade val="63000"/>
+                <a:satMod val="120000"/>
+              </a:schemeClr>
+            </a:gs>
+          </a:gsLst>
+          <a:lin ang="5400000" scaled="0"/>
+        </a:gradFill>
+      </a:bgFillStyleLst>
+    </a:fmtScheme>
+  </a:themeElements>
+  <a:objectDefaults/>
+  <a:extraClrSchemeLst/>
+  <a:extLst>
+    <a:ext uri="{05A4C25C-085E-4340-85A3-A5531E510DB2}">
+      <thm15:themeFamily xmlns:thm15="http://schemas.microsoft.com/office/thememl/2012/main" name="Office Theme" id="{62F939B6-93AF-4DB8-9C6B-D6C7DFDC589F}" vid="{4A3C46E8-61CC-4603-A589-7422A47A8E4A}"/>
+    </a:ext>
+  </a:extLst>
+</a:theme>
 </file>
--- a/LCC/Java/08_Java二三事.pptx
+++ b/LCC/Java/08_Java二三事.pptx
@@ -128,6 +128,9 @@
         </p15:guide>
       </p15:sldGuideLst>
     </p:ext>
+    <p:ext uri="{2D200454-40CA-4A62-9FC3-DE9A4176ACB9}">
+      <p15:notesGuideLst xmlns:p15="http://schemas.microsoft.com/office/powerpoint/2012/main"/>
+    </p:ext>
   </p:extLst>
 </p:presentation>
 </file>
@@ -214,7 +217,7 @@
           <a:p>
             <a:fld id="{B8136BB6-C1AD-4D3C-8C0C-48DA337ABAF0}" type="datetimeFigureOut">
               <a:rPr lang="zh-TW" altLang="en-US" smtClean="0"/>
-              <a:t>2021/9/24</a:t>
+              <a:t>2021/10/30</a:t>
             </a:fld>
             <a:endParaRPr lang="zh-TW" altLang="en-US"/>
           </a:p>
@@ -1020,7 +1023,7 @@
             <a:fld id="{B61BEF0D-F0BB-DE4B-95CE-6DB70DBA9567}" type="datetimeFigureOut">
               <a:rPr lang="en-US" dirty="0"/>
               <a:pPr/>
-              <a:t>9/24/2021</a:t>
+              <a:t>10/30/2021</a:t>
             </a:fld>
             <a:endParaRPr lang="en-US" dirty="0"/>
           </a:p>
@@ -1268,7 +1271,7 @@
             <a:fld id="{B61BEF0D-F0BB-DE4B-95CE-6DB70DBA9567}" type="datetimeFigureOut">
               <a:rPr lang="en-US" dirty="0"/>
               <a:pPr/>
-              <a:t>9/24/2021</a:t>
+              <a:t>10/30/2021</a:t>
             </a:fld>
             <a:endParaRPr lang="en-US" dirty="0"/>
           </a:p>
@@ -1579,7 +1582,7 @@
             <a:fld id="{B61BEF0D-F0BB-DE4B-95CE-6DB70DBA9567}" type="datetimeFigureOut">
               <a:rPr lang="en-US" dirty="0"/>
               <a:pPr/>
-              <a:t>9/24/2021</a:t>
+              <a:t>10/30/2021</a:t>
             </a:fld>
             <a:endParaRPr lang="en-US" dirty="0"/>
           </a:p>
@@ -1917,7 +1920,7 @@
             <a:fld id="{B61BEF0D-F0BB-DE4B-95CE-6DB70DBA9567}" type="datetimeFigureOut">
               <a:rPr lang="en-US" dirty="0"/>
               <a:pPr/>
-              <a:t>9/24/2021</a:t>
+              <a:t>10/30/2021</a:t>
             </a:fld>
             <a:endParaRPr lang="en-US" dirty="0"/>
           </a:p>
@@ -2228,7 +2231,7 @@
             <a:fld id="{B61BEF0D-F0BB-DE4B-95CE-6DB70DBA9567}" type="datetimeFigureOut">
               <a:rPr lang="en-US" dirty="0"/>
               <a:pPr/>
-              <a:t>9/24/2021</a:t>
+              <a:t>10/30/2021</a:t>
             </a:fld>
             <a:endParaRPr lang="en-US" dirty="0"/>
           </a:p>
@@ -2618,7 +2621,7 @@
             <a:fld id="{B61BEF0D-F0BB-DE4B-95CE-6DB70DBA9567}" type="datetimeFigureOut">
               <a:rPr lang="en-US" dirty="0"/>
               <a:pPr/>
-              <a:t>9/24/2021</a:t>
+              <a:t>10/30/2021</a:t>
             </a:fld>
             <a:endParaRPr lang="en-US" dirty="0"/>
           </a:p>
@@ -2784,7 +2787,7 @@
           <a:p>
             <a:fld id="{55C6B4A9-1611-4792-9094-5F34BCA07E0B}" type="datetimeFigureOut">
               <a:rPr lang="en-US" dirty="0"/>
-              <a:t>9/24/2021</a:t>
+              <a:t>10/30/2021</a:t>
             </a:fld>
             <a:endParaRPr lang="en-US" dirty="0"/>
           </a:p>
@@ -2960,7 +2963,7 @@
             <a:fld id="{B61BEF0D-F0BB-DE4B-95CE-6DB70DBA9567}" type="datetimeFigureOut">
               <a:rPr lang="en-US" dirty="0"/>
               <a:pPr/>
-              <a:t>9/24/2021</a:t>
+              <a:t>10/30/2021</a:t>
             </a:fld>
             <a:endParaRPr lang="en-US" dirty="0"/>
           </a:p>
@@ -3133,7 +3136,7 @@
             <a:fld id="{B61BEF0D-F0BB-DE4B-95CE-6DB70DBA9567}" type="datetimeFigureOut">
               <a:rPr lang="en-US" dirty="0"/>
               <a:pPr/>
-              <a:t>9/24/2021</a:t>
+              <a:t>10/30/2021</a:t>
             </a:fld>
             <a:endParaRPr lang="en-US" dirty="0"/>
           </a:p>
@@ -3377,7 +3380,7 @@
             <a:fld id="{B61BEF0D-F0BB-DE4B-95CE-6DB70DBA9567}" type="datetimeFigureOut">
               <a:rPr lang="en-US" dirty="0"/>
               <a:pPr/>
-              <a:t>9/24/2021</a:t>
+              <a:t>10/30/2021</a:t>
             </a:fld>
             <a:endParaRPr lang="en-US" dirty="0"/>
           </a:p>
@@ -3605,7 +3608,7 @@
           <a:p>
             <a:fld id="{EB712588-04B1-427B-82EE-E8DB90309F08}" type="datetimeFigureOut">
               <a:rPr lang="en-US" dirty="0"/>
-              <a:t>9/24/2021</a:t>
+              <a:t>10/30/2021</a:t>
             </a:fld>
             <a:endParaRPr lang="en-US" dirty="0"/>
           </a:p>
@@ -3975,7 +3978,7 @@
             <a:fld id="{B61BEF0D-F0BB-DE4B-95CE-6DB70DBA9567}" type="datetimeFigureOut">
               <a:rPr lang="en-US" dirty="0"/>
               <a:pPr/>
-              <a:t>9/24/2021</a:t>
+              <a:t>10/30/2021</a:t>
             </a:fld>
             <a:endParaRPr lang="en-US" dirty="0"/>
           </a:p>
@@ -4095,7 +4098,7 @@
             <a:fld id="{B61BEF0D-F0BB-DE4B-95CE-6DB70DBA9567}" type="datetimeFigureOut">
               <a:rPr lang="en-US" dirty="0"/>
               <a:pPr/>
-              <a:t>9/24/2021</a:t>
+              <a:t>10/30/2021</a:t>
             </a:fld>
             <a:endParaRPr lang="en-US" dirty="0"/>
           </a:p>
@@ -4187,7 +4190,7 @@
             <a:fld id="{B61BEF0D-F0BB-DE4B-95CE-6DB70DBA9567}" type="datetimeFigureOut">
               <a:rPr lang="en-US" dirty="0"/>
               <a:pPr/>
-              <a:t>9/24/2021</a:t>
+              <a:t>10/30/2021</a:t>
             </a:fld>
             <a:endParaRPr lang="en-US" dirty="0"/>
           </a:p>
@@ -4438,7 +4441,7 @@
           <a:p>
             <a:fld id="{42A54C80-263E-416B-A8E0-580EDEADCBDC}" type="datetimeFigureOut">
               <a:rPr lang="en-US" dirty="0"/>
-              <a:t>9/24/2021</a:t>
+              <a:t>10/30/2021</a:t>
             </a:fld>
             <a:endParaRPr lang="en-US" dirty="0"/>
           </a:p>
@@ -4697,7 +4700,7 @@
             <a:fld id="{B61BEF0D-F0BB-DE4B-95CE-6DB70DBA9567}" type="datetimeFigureOut">
               <a:rPr lang="en-US" dirty="0"/>
               <a:pPr/>
-              <a:t>9/24/2021</a:t>
+              <a:t>10/30/2021</a:t>
             </a:fld>
             <a:endParaRPr lang="en-US" dirty="0"/>
           </a:p>
@@ -5437,7 +5440,7 @@
             <a:fld id="{B61BEF0D-F0BB-DE4B-95CE-6DB70DBA9567}" type="datetimeFigureOut">
               <a:rPr lang="en-US" dirty="0"/>
               <a:pPr/>
-              <a:t>9/24/2021</a:t>
+              <a:t>10/30/2021</a:t>
             </a:fld>
             <a:endParaRPr lang="en-US" dirty="0"/>
           </a:p>
@@ -5563,14 +5566,14 @@
       </p:pic>
       <p:sp>
         <p:nvSpPr>
-          <p:cNvPr id="19" name="矩形 18"/>
+          <p:cNvPr id="30" name="矩形 29"/>
           <p:cNvSpPr/>
           <p:nvPr userDrawn="1"/>
         </p:nvSpPr>
         <p:spPr>
           <a:xfrm>
-            <a:off x="444564" y="6509203"/>
-            <a:ext cx="2728632" cy="369332"/>
+            <a:off x="379705" y="6488668"/>
+            <a:ext cx="2496196" cy="369332"/>
           </a:xfrm>
           <a:prstGeom prst="rect">
             <a:avLst/>
@@ -5677,8 +5680,8 @@
           </a:lstStyle>
           <a:p>
             <a:r>
-              <a:rPr lang="zh-TW" altLang="en-US" dirty="0" smtClean="0"/>
-              <a:t>https://reurl.cc/522ARv</a:t>
+              <a:rPr lang="en-US" altLang="zh-TW" dirty="0" smtClean="0"/>
+              <a:t>http://lccn.io/vgENMI</a:t>
             </a:r>
             <a:endParaRPr lang="zh-TW" altLang="en-US" dirty="0"/>
           </a:p>
@@ -6170,7 +6173,7 @@
             <a:fld id="{4805910D-2C61-424F-80CE-807290CF0E1E}" type="datetime4">
               <a:rPr lang="zh-TW" altLang="zh-TW"/>
               <a:pPr/>
-              <a:t>110年9月24日星期五</a:t>
+              <a:t>110年10月30日星期六</a:t>
             </a:fld>
             <a:endParaRPr lang="zh-TW" altLang="en-US" dirty="0"/>
           </a:p>

--- a/LCC/Java/08_Java二三事.pptx
+++ b/LCC/Java/08_Java二三事.pptx
@@ -217,7 +217,7 @@
           <a:p>
             <a:fld id="{B8136BB6-C1AD-4D3C-8C0C-48DA337ABAF0}" type="datetimeFigureOut">
               <a:rPr lang="zh-TW" altLang="en-US" smtClean="0"/>
-              <a:t>2021/10/30</a:t>
+              <a:t>2022/1/23</a:t>
             </a:fld>
             <a:endParaRPr lang="zh-TW" altLang="en-US"/>
           </a:p>
@@ -1023,7 +1023,7 @@
             <a:fld id="{B61BEF0D-F0BB-DE4B-95CE-6DB70DBA9567}" type="datetimeFigureOut">
               <a:rPr lang="en-US" dirty="0"/>
               <a:pPr/>
-              <a:t>10/30/2021</a:t>
+              <a:t>1/23/2022</a:t>
             </a:fld>
             <a:endParaRPr lang="en-US" dirty="0"/>
           </a:p>
@@ -1271,7 +1271,7 @@
             <a:fld id="{B61BEF0D-F0BB-DE4B-95CE-6DB70DBA9567}" type="datetimeFigureOut">
               <a:rPr lang="en-US" dirty="0"/>
               <a:pPr/>
-              <a:t>10/30/2021</a:t>
+              <a:t>1/23/2022</a:t>
             </a:fld>
             <a:endParaRPr lang="en-US" dirty="0"/>
           </a:p>
@@ -1582,7 +1582,7 @@
             <a:fld id="{B61BEF0D-F0BB-DE4B-95CE-6DB70DBA9567}" type="datetimeFigureOut">
               <a:rPr lang="en-US" dirty="0"/>
               <a:pPr/>
-              <a:t>10/30/2021</a:t>
+              <a:t>1/23/2022</a:t>
             </a:fld>
             <a:endParaRPr lang="en-US" dirty="0"/>
           </a:p>
@@ -1920,7 +1920,7 @@
             <a:fld id="{B61BEF0D-F0BB-DE4B-95CE-6DB70DBA9567}" type="datetimeFigureOut">
               <a:rPr lang="en-US" dirty="0"/>
               <a:pPr/>
-              <a:t>10/30/2021</a:t>
+              <a:t>1/23/2022</a:t>
             </a:fld>
             <a:endParaRPr lang="en-US" dirty="0"/>
           </a:p>
@@ -2231,7 +2231,7 @@
             <a:fld id="{B61BEF0D-F0BB-DE4B-95CE-6DB70DBA9567}" type="datetimeFigureOut">
               <a:rPr lang="en-US" dirty="0"/>
               <a:pPr/>
-              <a:t>10/30/2021</a:t>
+              <a:t>1/23/2022</a:t>
             </a:fld>
             <a:endParaRPr lang="en-US" dirty="0"/>
           </a:p>
@@ -2621,7 +2621,7 @@
             <a:fld id="{B61BEF0D-F0BB-DE4B-95CE-6DB70DBA9567}" type="datetimeFigureOut">
               <a:rPr lang="en-US" dirty="0"/>
               <a:pPr/>
-              <a:t>10/30/2021</a:t>
+              <a:t>1/23/2022</a:t>
             </a:fld>
             <a:endParaRPr lang="en-US" dirty="0"/>
           </a:p>
@@ -2787,7 +2787,7 @@
           <a:p>
             <a:fld id="{55C6B4A9-1611-4792-9094-5F34BCA07E0B}" type="datetimeFigureOut">
               <a:rPr lang="en-US" dirty="0"/>
-              <a:t>10/30/2021</a:t>
+              <a:t>1/23/2022</a:t>
             </a:fld>
             <a:endParaRPr lang="en-US" dirty="0"/>
           </a:p>
@@ -2963,7 +2963,7 @@
             <a:fld id="{B61BEF0D-F0BB-DE4B-95CE-6DB70DBA9567}" type="datetimeFigureOut">
               <a:rPr lang="en-US" dirty="0"/>
               <a:pPr/>
-              <a:t>10/30/2021</a:t>
+              <a:t>1/23/2022</a:t>
             </a:fld>
             <a:endParaRPr lang="en-US" dirty="0"/>
           </a:p>
@@ -3136,7 +3136,7 @@
             <a:fld id="{B61BEF0D-F0BB-DE4B-95CE-6DB70DBA9567}" type="datetimeFigureOut">
               <a:rPr lang="en-US" dirty="0"/>
               <a:pPr/>
-              <a:t>10/30/2021</a:t>
+              <a:t>1/23/2022</a:t>
             </a:fld>
             <a:endParaRPr lang="en-US" dirty="0"/>
           </a:p>
@@ -3380,7 +3380,7 @@
             <a:fld id="{B61BEF0D-F0BB-DE4B-95CE-6DB70DBA9567}" type="datetimeFigureOut">
               <a:rPr lang="en-US" dirty="0"/>
               <a:pPr/>
-              <a:t>10/30/2021</a:t>
+              <a:t>1/23/2022</a:t>
             </a:fld>
             <a:endParaRPr lang="en-US" dirty="0"/>
           </a:p>
@@ -3608,7 +3608,7 @@
           <a:p>
             <a:fld id="{EB712588-04B1-427B-82EE-E8DB90309F08}" type="datetimeFigureOut">
               <a:rPr lang="en-US" dirty="0"/>
-              <a:t>10/30/2021</a:t>
+              <a:t>1/23/2022</a:t>
             </a:fld>
             <a:endParaRPr lang="en-US" dirty="0"/>
           </a:p>
@@ -3978,7 +3978,7 @@
             <a:fld id="{B61BEF0D-F0BB-DE4B-95CE-6DB70DBA9567}" type="datetimeFigureOut">
               <a:rPr lang="en-US" dirty="0"/>
               <a:pPr/>
-              <a:t>10/30/2021</a:t>
+              <a:t>1/23/2022</a:t>
             </a:fld>
             <a:endParaRPr lang="en-US" dirty="0"/>
           </a:p>
@@ -4098,7 +4098,7 @@
             <a:fld id="{B61BEF0D-F0BB-DE4B-95CE-6DB70DBA9567}" type="datetimeFigureOut">
               <a:rPr lang="en-US" dirty="0"/>
               <a:pPr/>
-              <a:t>10/30/2021</a:t>
+              <a:t>1/23/2022</a:t>
             </a:fld>
             <a:endParaRPr lang="en-US" dirty="0"/>
           </a:p>
@@ -4190,7 +4190,7 @@
             <a:fld id="{B61BEF0D-F0BB-DE4B-95CE-6DB70DBA9567}" type="datetimeFigureOut">
               <a:rPr lang="en-US" dirty="0"/>
               <a:pPr/>
-              <a:t>10/30/2021</a:t>
+              <a:t>1/23/2022</a:t>
             </a:fld>
             <a:endParaRPr lang="en-US" dirty="0"/>
           </a:p>
@@ -4441,7 +4441,7 @@
           <a:p>
             <a:fld id="{42A54C80-263E-416B-A8E0-580EDEADCBDC}" type="datetimeFigureOut">
               <a:rPr lang="en-US" dirty="0"/>
-              <a:t>10/30/2021</a:t>
+              <a:t>1/23/2022</a:t>
             </a:fld>
             <a:endParaRPr lang="en-US" dirty="0"/>
           </a:p>
@@ -4700,7 +4700,7 @@
             <a:fld id="{B61BEF0D-F0BB-DE4B-95CE-6DB70DBA9567}" type="datetimeFigureOut">
               <a:rPr lang="en-US" dirty="0"/>
               <a:pPr/>
-              <a:t>10/30/2021</a:t>
+              <a:t>1/23/2022</a:t>
             </a:fld>
             <a:endParaRPr lang="en-US" dirty="0"/>
           </a:p>
@@ -5440,7 +5440,7 @@
             <a:fld id="{B61BEF0D-F0BB-DE4B-95CE-6DB70DBA9567}" type="datetimeFigureOut">
               <a:rPr lang="en-US" dirty="0"/>
               <a:pPr/>
-              <a:t>10/30/2021</a:t>
+              <a:t>1/23/2022</a:t>
             </a:fld>
             <a:endParaRPr lang="en-US" dirty="0"/>
           </a:p>
@@ -5573,7 +5573,7 @@
         <p:spPr>
           <a:xfrm>
             <a:off x="379705" y="6488668"/>
-            <a:ext cx="2496196" cy="369332"/>
+            <a:ext cx="2800767" cy="369332"/>
           </a:xfrm>
           <a:prstGeom prst="rect">
             <a:avLst/>
@@ -5680,8 +5680,8 @@
           </a:lstStyle>
           <a:p>
             <a:r>
-              <a:rPr lang="en-US" altLang="zh-TW" dirty="0" smtClean="0"/>
-              <a:t>http://lccn.io/vgENMI</a:t>
+              <a:rPr lang="fr-FR" altLang="zh-TW" dirty="0" smtClean="0"/>
+              <a:t>https://reurl.cc/2Dom14</a:t>
             </a:r>
             <a:endParaRPr lang="zh-TW" altLang="en-US" dirty="0"/>
           </a:p>
@@ -6173,7 +6173,7 @@
             <a:fld id="{4805910D-2C61-424F-80CE-807290CF0E1E}" type="datetime4">
               <a:rPr lang="zh-TW" altLang="zh-TW"/>
               <a:pPr/>
-              <a:t>110年10月30日星期六</a:t>
+              <a:t>111年1月23日星期日</a:t>
             </a:fld>
             <a:endParaRPr lang="zh-TW" altLang="en-US" dirty="0"/>
           </a:p>
@@ -6220,6 +6220,159 @@
           </a:extLst>
         </p:spPr>
       </p:pic>
+      <p:pic>
+        <p:nvPicPr>
+          <p:cNvPr id="5" name="圖片 4"/>
+          <p:cNvPicPr>
+            <a:picLocks noChangeAspect="1"/>
+          </p:cNvPicPr>
+          <p:nvPr/>
+        </p:nvPicPr>
+        <p:blipFill>
+          <a:blip r:embed="rId3">
+            <a:extLst>
+              <a:ext uri="{28A0092B-C50C-407E-A947-70E740481C1C}">
+                <a14:useLocalDpi xmlns:a14="http://schemas.microsoft.com/office/drawing/2010/main" val="0"/>
+              </a:ext>
+            </a:extLst>
+          </a:blip>
+          <a:stretch>
+            <a:fillRect/>
+          </a:stretch>
+        </p:blipFill>
+        <p:spPr>
+          <a:xfrm>
+            <a:off x="927354" y="457267"/>
+            <a:ext cx="1428750" cy="1428750"/>
+          </a:xfrm>
+          <a:prstGeom prst="rect">
+            <a:avLst/>
+          </a:prstGeom>
+        </p:spPr>
+      </p:pic>
+      <p:sp>
+        <p:nvSpPr>
+          <p:cNvPr id="6" name="矩形 5"/>
+          <p:cNvSpPr/>
+          <p:nvPr/>
+        </p:nvSpPr>
+        <p:spPr>
+          <a:xfrm>
+            <a:off x="827704" y="87935"/>
+            <a:ext cx="2800767" cy="369332"/>
+          </a:xfrm>
+          <a:prstGeom prst="rect">
+            <a:avLst/>
+          </a:prstGeom>
+        </p:spPr>
+        <p:txBody>
+          <a:bodyPr wrap="none">
+            <a:spAutoFit/>
+          </a:bodyPr>
+          <a:lstStyle>
+            <a:defPPr>
+              <a:defRPr lang="en-US"/>
+            </a:defPPr>
+            <a:lvl1pPr marL="0" algn="l" defTabSz="457200" rtl="0" eaLnBrk="1" latinLnBrk="0" hangingPunct="1">
+              <a:defRPr sz="1800" kern="1200">
+                <a:solidFill>
+                  <a:schemeClr val="tx1"/>
+                </a:solidFill>
+                <a:latin typeface="+mn-lt"/>
+                <a:ea typeface="+mn-ea"/>
+                <a:cs typeface="+mn-cs"/>
+              </a:defRPr>
+            </a:lvl1pPr>
+            <a:lvl2pPr marL="457200" algn="l" defTabSz="457200" rtl="0" eaLnBrk="1" latinLnBrk="0" hangingPunct="1">
+              <a:defRPr sz="1800" kern="1200">
+                <a:solidFill>
+                  <a:schemeClr val="tx1"/>
+                </a:solidFill>
+                <a:latin typeface="+mn-lt"/>
+                <a:ea typeface="+mn-ea"/>
+                <a:cs typeface="+mn-cs"/>
+              </a:defRPr>
+            </a:lvl2pPr>
+            <a:lvl3pPr marL="914400" algn="l" defTabSz="457200" rtl="0" eaLnBrk="1" latinLnBrk="0" hangingPunct="1">
+              <a:defRPr sz="1800" kern="1200">
+                <a:solidFill>
+                  <a:schemeClr val="tx1"/>
+                </a:solidFill>
+                <a:latin typeface="+mn-lt"/>
+                <a:ea typeface="+mn-ea"/>
+                <a:cs typeface="+mn-cs"/>
+              </a:defRPr>
+            </a:lvl3pPr>
+            <a:lvl4pPr marL="1371600" algn="l" defTabSz="457200" rtl="0" eaLnBrk="1" latinLnBrk="0" hangingPunct="1">
+              <a:defRPr sz="1800" kern="1200">
+                <a:solidFill>
+                  <a:schemeClr val="tx1"/>
+                </a:solidFill>
+                <a:latin typeface="+mn-lt"/>
+                <a:ea typeface="+mn-ea"/>
+                <a:cs typeface="+mn-cs"/>
+              </a:defRPr>
+            </a:lvl4pPr>
+            <a:lvl5pPr marL="1828800" algn="l" defTabSz="457200" rtl="0" eaLnBrk="1" latinLnBrk="0" hangingPunct="1">
+              <a:defRPr sz="1800" kern="1200">
+                <a:solidFill>
+                  <a:schemeClr val="tx1"/>
+                </a:solidFill>
+                <a:latin typeface="+mn-lt"/>
+                <a:ea typeface="+mn-ea"/>
+                <a:cs typeface="+mn-cs"/>
+              </a:defRPr>
+            </a:lvl5pPr>
+            <a:lvl6pPr marL="2286000" algn="l" defTabSz="457200" rtl="0" eaLnBrk="1" latinLnBrk="0" hangingPunct="1">
+              <a:defRPr sz="1800" kern="1200">
+                <a:solidFill>
+                  <a:schemeClr val="tx1"/>
+                </a:solidFill>
+                <a:latin typeface="+mn-lt"/>
+                <a:ea typeface="+mn-ea"/>
+                <a:cs typeface="+mn-cs"/>
+              </a:defRPr>
+            </a:lvl6pPr>
+            <a:lvl7pPr marL="2743200" algn="l" defTabSz="457200" rtl="0" eaLnBrk="1" latinLnBrk="0" hangingPunct="1">
+              <a:defRPr sz="1800" kern="1200">
+                <a:solidFill>
+                  <a:schemeClr val="tx1"/>
+                </a:solidFill>
+                <a:latin typeface="+mn-lt"/>
+                <a:ea typeface="+mn-ea"/>
+                <a:cs typeface="+mn-cs"/>
+              </a:defRPr>
+            </a:lvl7pPr>
+            <a:lvl8pPr marL="3200400" algn="l" defTabSz="457200" rtl="0" eaLnBrk="1" latinLnBrk="0" hangingPunct="1">
+              <a:defRPr sz="1800" kern="1200">
+                <a:solidFill>
+                  <a:schemeClr val="tx1"/>
+                </a:solidFill>
+                <a:latin typeface="+mn-lt"/>
+                <a:ea typeface="+mn-ea"/>
+                <a:cs typeface="+mn-cs"/>
+              </a:defRPr>
+            </a:lvl8pPr>
+            <a:lvl9pPr marL="3657600" algn="l" defTabSz="457200" rtl="0" eaLnBrk="1" latinLnBrk="0" hangingPunct="1">
+              <a:defRPr sz="1800" kern="1200">
+                <a:solidFill>
+                  <a:schemeClr val="tx1"/>
+                </a:solidFill>
+                <a:latin typeface="+mn-lt"/>
+                <a:ea typeface="+mn-ea"/>
+                <a:cs typeface="+mn-cs"/>
+              </a:defRPr>
+            </a:lvl9pPr>
+          </a:lstStyle>
+          <a:p>
+            <a:r>
+              <a:rPr lang="fr-FR" altLang="zh-TW" dirty="0" smtClean="0"/>
+              <a:t>https://reurl.cc/2Dom14</a:t>
+            </a:r>
+            <a:endParaRPr lang="zh-TW" altLang="en-US" dirty="0"/>
+          </a:p>
+        </p:txBody>
+      </p:sp>
     </p:spTree>
     <p:extLst>
       <p:ext uri="{BB962C8B-B14F-4D97-AF65-F5344CB8AC3E}">

--- a/LCC/Java/08_Java二三事.pptx
+++ b/LCC/Java/08_Java二三事.pptx
@@ -217,7 +217,7 @@
           <a:p>
             <a:fld id="{B8136BB6-C1AD-4D3C-8C0C-48DA337ABAF0}" type="datetimeFigureOut">
               <a:rPr lang="zh-TW" altLang="en-US" smtClean="0"/>
-              <a:t>2022/1/23</a:t>
+              <a:t>2022/7/27</a:t>
             </a:fld>
             <a:endParaRPr lang="zh-TW" altLang="en-US"/>
           </a:p>
@@ -1023,7 +1023,7 @@
             <a:fld id="{B61BEF0D-F0BB-DE4B-95CE-6DB70DBA9567}" type="datetimeFigureOut">
               <a:rPr lang="en-US" dirty="0"/>
               <a:pPr/>
-              <a:t>1/23/2022</a:t>
+              <a:t>7/27/2022</a:t>
             </a:fld>
             <a:endParaRPr lang="en-US" dirty="0"/>
           </a:p>
@@ -1271,7 +1271,7 @@
             <a:fld id="{B61BEF0D-F0BB-DE4B-95CE-6DB70DBA9567}" type="datetimeFigureOut">
               <a:rPr lang="en-US" dirty="0"/>
               <a:pPr/>
-              <a:t>1/23/2022</a:t>
+              <a:t>7/27/2022</a:t>
             </a:fld>
             <a:endParaRPr lang="en-US" dirty="0"/>
           </a:p>
@@ -1582,7 +1582,7 @@
             <a:fld id="{B61BEF0D-F0BB-DE4B-95CE-6DB70DBA9567}" type="datetimeFigureOut">
               <a:rPr lang="en-US" dirty="0"/>
               <a:pPr/>
-              <a:t>1/23/2022</a:t>
+              <a:t>7/27/2022</a:t>
             </a:fld>
             <a:endParaRPr lang="en-US" dirty="0"/>
           </a:p>
@@ -1920,7 +1920,7 @@
             <a:fld id="{B61BEF0D-F0BB-DE4B-95CE-6DB70DBA9567}" type="datetimeFigureOut">
               <a:rPr lang="en-US" dirty="0"/>
               <a:pPr/>
-              <a:t>1/23/2022</a:t>
+              <a:t>7/27/2022</a:t>
             </a:fld>
             <a:endParaRPr lang="en-US" dirty="0"/>
           </a:p>
@@ -2231,7 +2231,7 @@
             <a:fld id="{B61BEF0D-F0BB-DE4B-95CE-6DB70DBA9567}" type="datetimeFigureOut">
               <a:rPr lang="en-US" dirty="0"/>
               <a:pPr/>
-              <a:t>1/23/2022</a:t>
+              <a:t>7/27/2022</a:t>
             </a:fld>
             <a:endParaRPr lang="en-US" dirty="0"/>
           </a:p>
@@ -2621,7 +2621,7 @@
             <a:fld id="{B61BEF0D-F0BB-DE4B-95CE-6DB70DBA9567}" type="datetimeFigureOut">
               <a:rPr lang="en-US" dirty="0"/>
               <a:pPr/>
-              <a:t>1/23/2022</a:t>
+              <a:t>7/27/2022</a:t>
             </a:fld>
             <a:endParaRPr lang="en-US" dirty="0"/>
           </a:p>
@@ -2787,7 +2787,7 @@
           <a:p>
             <a:fld id="{55C6B4A9-1611-4792-9094-5F34BCA07E0B}" type="datetimeFigureOut">
               <a:rPr lang="en-US" dirty="0"/>
-              <a:t>1/23/2022</a:t>
+              <a:t>7/27/2022</a:t>
             </a:fld>
             <a:endParaRPr lang="en-US" dirty="0"/>
           </a:p>
@@ -2963,7 +2963,7 @@
             <a:fld id="{B61BEF0D-F0BB-DE4B-95CE-6DB70DBA9567}" type="datetimeFigureOut">
               <a:rPr lang="en-US" dirty="0"/>
               <a:pPr/>
-              <a:t>1/23/2022</a:t>
+              <a:t>7/27/2022</a:t>
             </a:fld>
             <a:endParaRPr lang="en-US" dirty="0"/>
           </a:p>
@@ -3136,7 +3136,7 @@
             <a:fld id="{B61BEF0D-F0BB-DE4B-95CE-6DB70DBA9567}" type="datetimeFigureOut">
               <a:rPr lang="en-US" dirty="0"/>
               <a:pPr/>
-              <a:t>1/23/2022</a:t>
+              <a:t>7/27/2022</a:t>
             </a:fld>
             <a:endParaRPr lang="en-US" dirty="0"/>
           </a:p>
@@ -3380,7 +3380,7 @@
             <a:fld id="{B61BEF0D-F0BB-DE4B-95CE-6DB70DBA9567}" type="datetimeFigureOut">
               <a:rPr lang="en-US" dirty="0"/>
               <a:pPr/>
-              <a:t>1/23/2022</a:t>
+              <a:t>7/27/2022</a:t>
             </a:fld>
             <a:endParaRPr lang="en-US" dirty="0"/>
           </a:p>
@@ -3608,7 +3608,7 @@
           <a:p>
             <a:fld id="{EB712588-04B1-427B-82EE-E8DB90309F08}" type="datetimeFigureOut">
               <a:rPr lang="en-US" dirty="0"/>
-              <a:t>1/23/2022</a:t>
+              <a:t>7/27/2022</a:t>
             </a:fld>
             <a:endParaRPr lang="en-US" dirty="0"/>
           </a:p>
@@ -3978,7 +3978,7 @@
             <a:fld id="{B61BEF0D-F0BB-DE4B-95CE-6DB70DBA9567}" type="datetimeFigureOut">
               <a:rPr lang="en-US" dirty="0"/>
               <a:pPr/>
-              <a:t>1/23/2022</a:t>
+              <a:t>7/27/2022</a:t>
             </a:fld>
             <a:endParaRPr lang="en-US" dirty="0"/>
           </a:p>
@@ -4098,7 +4098,7 @@
             <a:fld id="{B61BEF0D-F0BB-DE4B-95CE-6DB70DBA9567}" type="datetimeFigureOut">
               <a:rPr lang="en-US" dirty="0"/>
               <a:pPr/>
-              <a:t>1/23/2022</a:t>
+              <a:t>7/27/2022</a:t>
             </a:fld>
             <a:endParaRPr lang="en-US" dirty="0"/>
           </a:p>
@@ -4190,7 +4190,7 @@
             <a:fld id="{B61BEF0D-F0BB-DE4B-95CE-6DB70DBA9567}" type="datetimeFigureOut">
               <a:rPr lang="en-US" dirty="0"/>
               <a:pPr/>
-              <a:t>1/23/2022</a:t>
+              <a:t>7/27/2022</a:t>
             </a:fld>
             <a:endParaRPr lang="en-US" dirty="0"/>
           </a:p>
@@ -4441,7 +4441,7 @@
           <a:p>
             <a:fld id="{42A54C80-263E-416B-A8E0-580EDEADCBDC}" type="datetimeFigureOut">
               <a:rPr lang="en-US" dirty="0"/>
-              <a:t>1/23/2022</a:t>
+              <a:t>7/27/2022</a:t>
             </a:fld>
             <a:endParaRPr lang="en-US" dirty="0"/>
           </a:p>
@@ -4700,7 +4700,7 @@
             <a:fld id="{B61BEF0D-F0BB-DE4B-95CE-6DB70DBA9567}" type="datetimeFigureOut">
               <a:rPr lang="en-US" dirty="0"/>
               <a:pPr/>
-              <a:t>1/23/2022</a:t>
+              <a:t>7/27/2022</a:t>
             </a:fld>
             <a:endParaRPr lang="en-US" dirty="0"/>
           </a:p>
@@ -5440,7 +5440,7 @@
             <a:fld id="{B61BEF0D-F0BB-DE4B-95CE-6DB70DBA9567}" type="datetimeFigureOut">
               <a:rPr lang="en-US" dirty="0"/>
               <a:pPr/>
-              <a:t>1/23/2022</a:t>
+              <a:t>7/27/2022</a:t>
             </a:fld>
             <a:endParaRPr lang="en-US" dirty="0"/>
           </a:p>
@@ -5681,7 +5681,7 @@
           <a:p>
             <a:r>
               <a:rPr lang="fr-FR" altLang="zh-TW" dirty="0" smtClean="0"/>
-              <a:t>https://reurl.cc/2Dom14</a:t>
+              <a:t>https://reurl.cc/Kb1Xmg</a:t>
             </a:r>
             <a:endParaRPr lang="zh-TW" altLang="en-US" dirty="0"/>
           </a:p>
@@ -6173,7 +6173,7 @@
             <a:fld id="{4805910D-2C61-424F-80CE-807290CF0E1E}" type="datetime4">
               <a:rPr lang="zh-TW" altLang="zh-TW"/>
               <a:pPr/>
-              <a:t>111年1月23日星期日</a:t>
+              <a:t>111年7月27日星期三</a:t>
             </a:fld>
             <a:endParaRPr lang="zh-TW" altLang="en-US" dirty="0"/>
           </a:p>
@@ -6220,39 +6220,9 @@
           </a:extLst>
         </p:spPr>
       </p:pic>
-      <p:pic>
-        <p:nvPicPr>
-          <p:cNvPr id="5" name="圖片 4"/>
-          <p:cNvPicPr>
-            <a:picLocks noChangeAspect="1"/>
-          </p:cNvPicPr>
-          <p:nvPr/>
-        </p:nvPicPr>
-        <p:blipFill>
-          <a:blip r:embed="rId3">
-            <a:extLst>
-              <a:ext uri="{28A0092B-C50C-407E-A947-70E740481C1C}">
-                <a14:useLocalDpi xmlns:a14="http://schemas.microsoft.com/office/drawing/2010/main" val="0"/>
-              </a:ext>
-            </a:extLst>
-          </a:blip>
-          <a:stretch>
-            <a:fillRect/>
-          </a:stretch>
-        </p:blipFill>
-        <p:spPr>
-          <a:xfrm>
-            <a:off x="927354" y="457267"/>
-            <a:ext cx="1428750" cy="1428750"/>
-          </a:xfrm>
-          <a:prstGeom prst="rect">
-            <a:avLst/>
-          </a:prstGeom>
-        </p:spPr>
-      </p:pic>
-      <p:sp>
-        <p:nvSpPr>
-          <p:cNvPr id="6" name="矩形 5"/>
+      <p:sp>
+        <p:nvSpPr>
+          <p:cNvPr id="7" name="矩形 6"/>
           <p:cNvSpPr/>
           <p:nvPr/>
         </p:nvSpPr>
@@ -6366,13 +6336,37 @@
           </a:lstStyle>
           <a:p>
             <a:r>
-              <a:rPr lang="fr-FR" altLang="zh-TW" dirty="0" smtClean="0"/>
-              <a:t>https://reurl.cc/2Dom14</a:t>
+              <a:rPr lang="fr-FR" altLang="zh-TW" dirty="0"/>
+              <a:t>https://reurl.cc/Kb1Xmg</a:t>
             </a:r>
             <a:endParaRPr lang="zh-TW" altLang="en-US" dirty="0"/>
           </a:p>
         </p:txBody>
       </p:sp>
+      <p:pic>
+        <p:nvPicPr>
+          <p:cNvPr id="8" name="圖片 7"/>
+          <p:cNvPicPr>
+            <a:picLocks noChangeAspect="1"/>
+          </p:cNvPicPr>
+          <p:nvPr/>
+        </p:nvPicPr>
+        <p:blipFill>
+          <a:blip r:embed="rId3"/>
+          <a:stretch>
+            <a:fillRect/>
+          </a:stretch>
+        </p:blipFill>
+        <p:spPr>
+          <a:xfrm>
+            <a:off x="929852" y="503981"/>
+            <a:ext cx="1428750" cy="1428750"/>
+          </a:xfrm>
+          <a:prstGeom prst="rect">
+            <a:avLst/>
+          </a:prstGeom>
+        </p:spPr>
+      </p:pic>
     </p:spTree>
     <p:extLst>
       <p:ext uri="{BB962C8B-B14F-4D97-AF65-F5344CB8AC3E}">

--- a/LCC/Java/08_Java二三事.pptx
+++ b/LCC/Java/08_Java二三事.pptx
@@ -217,7 +217,7 @@
           <a:p>
             <a:fld id="{B8136BB6-C1AD-4D3C-8C0C-48DA337ABAF0}" type="datetimeFigureOut">
               <a:rPr lang="zh-TW" altLang="en-US" smtClean="0"/>
-              <a:t>2022/7/27</a:t>
+              <a:t>2024/5/10</a:t>
             </a:fld>
             <a:endParaRPr lang="zh-TW" altLang="en-US"/>
           </a:p>
@@ -1023,7 +1023,7 @@
             <a:fld id="{B61BEF0D-F0BB-DE4B-95CE-6DB70DBA9567}" type="datetimeFigureOut">
               <a:rPr lang="en-US" dirty="0"/>
               <a:pPr/>
-              <a:t>7/27/2022</a:t>
+              <a:t>5/10/2024</a:t>
             </a:fld>
             <a:endParaRPr lang="en-US" dirty="0"/>
           </a:p>
@@ -1271,7 +1271,7 @@
             <a:fld id="{B61BEF0D-F0BB-DE4B-95CE-6DB70DBA9567}" type="datetimeFigureOut">
               <a:rPr lang="en-US" dirty="0"/>
               <a:pPr/>
-              <a:t>7/27/2022</a:t>
+              <a:t>5/10/2024</a:t>
             </a:fld>
             <a:endParaRPr lang="en-US" dirty="0"/>
           </a:p>
@@ -1582,7 +1582,7 @@
             <a:fld id="{B61BEF0D-F0BB-DE4B-95CE-6DB70DBA9567}" type="datetimeFigureOut">
               <a:rPr lang="en-US" dirty="0"/>
               <a:pPr/>
-              <a:t>7/27/2022</a:t>
+              <a:t>5/10/2024</a:t>
             </a:fld>
             <a:endParaRPr lang="en-US" dirty="0"/>
           </a:p>
@@ -1920,7 +1920,7 @@
             <a:fld id="{B61BEF0D-F0BB-DE4B-95CE-6DB70DBA9567}" type="datetimeFigureOut">
               <a:rPr lang="en-US" dirty="0"/>
               <a:pPr/>
-              <a:t>7/27/2022</a:t>
+              <a:t>5/10/2024</a:t>
             </a:fld>
             <a:endParaRPr lang="en-US" dirty="0"/>
           </a:p>
@@ -2231,7 +2231,7 @@
             <a:fld id="{B61BEF0D-F0BB-DE4B-95CE-6DB70DBA9567}" type="datetimeFigureOut">
               <a:rPr lang="en-US" dirty="0"/>
               <a:pPr/>
-              <a:t>7/27/2022</a:t>
+              <a:t>5/10/2024</a:t>
             </a:fld>
             <a:endParaRPr lang="en-US" dirty="0"/>
           </a:p>
@@ -2621,7 +2621,7 @@
             <a:fld id="{B61BEF0D-F0BB-DE4B-95CE-6DB70DBA9567}" type="datetimeFigureOut">
               <a:rPr lang="en-US" dirty="0"/>
               <a:pPr/>
-              <a:t>7/27/2022</a:t>
+              <a:t>5/10/2024</a:t>
             </a:fld>
             <a:endParaRPr lang="en-US" dirty="0"/>
           </a:p>
@@ -2787,7 +2787,7 @@
           <a:p>
             <a:fld id="{55C6B4A9-1611-4792-9094-5F34BCA07E0B}" type="datetimeFigureOut">
               <a:rPr lang="en-US" dirty="0"/>
-              <a:t>7/27/2022</a:t>
+              <a:t>5/10/2024</a:t>
             </a:fld>
             <a:endParaRPr lang="en-US" dirty="0"/>
           </a:p>
@@ -2963,7 +2963,7 @@
             <a:fld id="{B61BEF0D-F0BB-DE4B-95CE-6DB70DBA9567}" type="datetimeFigureOut">
               <a:rPr lang="en-US" dirty="0"/>
               <a:pPr/>
-              <a:t>7/27/2022</a:t>
+              <a:t>5/10/2024</a:t>
             </a:fld>
             <a:endParaRPr lang="en-US" dirty="0"/>
           </a:p>
@@ -3136,7 +3136,7 @@
             <a:fld id="{B61BEF0D-F0BB-DE4B-95CE-6DB70DBA9567}" type="datetimeFigureOut">
               <a:rPr lang="en-US" dirty="0"/>
               <a:pPr/>
-              <a:t>7/27/2022</a:t>
+              <a:t>5/10/2024</a:t>
             </a:fld>
             <a:endParaRPr lang="en-US" dirty="0"/>
           </a:p>
@@ -3380,7 +3380,7 @@
             <a:fld id="{B61BEF0D-F0BB-DE4B-95CE-6DB70DBA9567}" type="datetimeFigureOut">
               <a:rPr lang="en-US" dirty="0"/>
               <a:pPr/>
-              <a:t>7/27/2022</a:t>
+              <a:t>5/10/2024</a:t>
             </a:fld>
             <a:endParaRPr lang="en-US" dirty="0"/>
           </a:p>
@@ -3608,7 +3608,7 @@
           <a:p>
             <a:fld id="{EB712588-04B1-427B-82EE-E8DB90309F08}" type="datetimeFigureOut">
               <a:rPr lang="en-US" dirty="0"/>
-              <a:t>7/27/2022</a:t>
+              <a:t>5/10/2024</a:t>
             </a:fld>
             <a:endParaRPr lang="en-US" dirty="0"/>
           </a:p>
@@ -3978,7 +3978,7 @@
             <a:fld id="{B61BEF0D-F0BB-DE4B-95CE-6DB70DBA9567}" type="datetimeFigureOut">
               <a:rPr lang="en-US" dirty="0"/>
               <a:pPr/>
-              <a:t>7/27/2022</a:t>
+              <a:t>5/10/2024</a:t>
             </a:fld>
             <a:endParaRPr lang="en-US" dirty="0"/>
           </a:p>
@@ -4098,7 +4098,7 @@
             <a:fld id="{B61BEF0D-F0BB-DE4B-95CE-6DB70DBA9567}" type="datetimeFigureOut">
               <a:rPr lang="en-US" dirty="0"/>
               <a:pPr/>
-              <a:t>7/27/2022</a:t>
+              <a:t>5/10/2024</a:t>
             </a:fld>
             <a:endParaRPr lang="en-US" dirty="0"/>
           </a:p>
@@ -4190,7 +4190,7 @@
             <a:fld id="{B61BEF0D-F0BB-DE4B-95CE-6DB70DBA9567}" type="datetimeFigureOut">
               <a:rPr lang="en-US" dirty="0"/>
               <a:pPr/>
-              <a:t>7/27/2022</a:t>
+              <a:t>5/10/2024</a:t>
             </a:fld>
             <a:endParaRPr lang="en-US" dirty="0"/>
           </a:p>
@@ -4441,7 +4441,7 @@
           <a:p>
             <a:fld id="{42A54C80-263E-416B-A8E0-580EDEADCBDC}" type="datetimeFigureOut">
               <a:rPr lang="en-US" dirty="0"/>
-              <a:t>7/27/2022</a:t>
+              <a:t>5/10/2024</a:t>
             </a:fld>
             <a:endParaRPr lang="en-US" dirty="0"/>
           </a:p>
@@ -4700,7 +4700,7 @@
             <a:fld id="{B61BEF0D-F0BB-DE4B-95CE-6DB70DBA9567}" type="datetimeFigureOut">
               <a:rPr lang="en-US" dirty="0"/>
               <a:pPr/>
-              <a:t>7/27/2022</a:t>
+              <a:t>5/10/2024</a:t>
             </a:fld>
             <a:endParaRPr lang="en-US" dirty="0"/>
           </a:p>
@@ -5440,7 +5440,7 @@
             <a:fld id="{B61BEF0D-F0BB-DE4B-95CE-6DB70DBA9567}" type="datetimeFigureOut">
               <a:rPr lang="en-US" dirty="0"/>
               <a:pPr/>
-              <a:t>7/27/2022</a:t>
+              <a:t>5/10/2024</a:t>
             </a:fld>
             <a:endParaRPr lang="en-US" dirty="0"/>
           </a:p>
@@ -5573,7 +5573,7 @@
         <p:spPr>
           <a:xfrm>
             <a:off x="379705" y="6488668"/>
-            <a:ext cx="2800767" cy="369332"/>
+            <a:ext cx="2850460" cy="369332"/>
           </a:xfrm>
           <a:prstGeom prst="rect">
             <a:avLst/>
@@ -5681,7 +5681,7 @@
           <a:p>
             <a:r>
               <a:rPr lang="fr-FR" altLang="zh-TW" dirty="0" smtClean="0"/>
-              <a:t>https://reurl.cc/Kb1Xmg</a:t>
+              <a:t>https://reurl.cc/WxELMO</a:t>
             </a:r>
             <a:endParaRPr lang="zh-TW" altLang="en-US" dirty="0"/>
           </a:p>
@@ -6173,7 +6173,7 @@
             <a:fld id="{4805910D-2C61-424F-80CE-807290CF0E1E}" type="datetime4">
               <a:rPr lang="zh-TW" altLang="zh-TW"/>
               <a:pPr/>
-              <a:t>111年7月27日星期三</a:t>
+              <a:t>113年5月10日星期五</a:t>
             </a:fld>
             <a:endParaRPr lang="zh-TW" altLang="en-US" dirty="0"/>
           </a:p>
@@ -6222,14 +6222,14 @@
       </p:pic>
       <p:sp>
         <p:nvSpPr>
-          <p:cNvPr id="7" name="矩形 6"/>
+          <p:cNvPr id="9" name="矩形 8"/>
           <p:cNvSpPr/>
           <p:nvPr/>
         </p:nvSpPr>
         <p:spPr>
           <a:xfrm>
             <a:off x="827704" y="87935"/>
-            <a:ext cx="2800767" cy="369332"/>
+            <a:ext cx="2850460" cy="369332"/>
           </a:xfrm>
           <a:prstGeom prst="rect">
             <a:avLst/>
@@ -6337,7 +6337,7 @@
           <a:p>
             <a:r>
               <a:rPr lang="fr-FR" altLang="zh-TW" dirty="0"/>
-              <a:t>https://reurl.cc/Kb1Xmg</a:t>
+              <a:t>https://reurl.cc/WxELMO</a:t>
             </a:r>
             <a:endParaRPr lang="zh-TW" altLang="en-US" dirty="0"/>
           </a:p>
@@ -6345,7 +6345,7 @@
       </p:sp>
       <p:pic>
         <p:nvPicPr>
-          <p:cNvPr id="8" name="圖片 7"/>
+          <p:cNvPr id="10" name="圖片 9"/>
           <p:cNvPicPr>
             <a:picLocks noChangeAspect="1"/>
           </p:cNvPicPr>
@@ -6359,8 +6359,8 @@
         </p:blipFill>
         <p:spPr>
           <a:xfrm>
-            <a:off x="929852" y="503981"/>
-            <a:ext cx="1428750" cy="1428750"/>
+            <a:off x="915266" y="457267"/>
+            <a:ext cx="1818698" cy="1818698"/>
           </a:xfrm>
           <a:prstGeom prst="rect">
             <a:avLst/>
